--- a/Mockups/Mockups.pptx
+++ b/Mockups/Mockups.pptx
@@ -6,8 +6,9 @@
   </p:sldMasterIdLst>
   <p:sldIdLst>
     <p:sldId id="256" r:id="rId2"/>
-    <p:sldId id="258" r:id="rId3"/>
-    <p:sldId id="259" r:id="rId4"/>
+    <p:sldId id="260" r:id="rId3"/>
+    <p:sldId id="258" r:id="rId4"/>
+    <p:sldId id="259" r:id="rId5"/>
   </p:sldIdLst>
   <p:sldSz cx="12192000" cy="6858000"/>
   <p:notesSz cx="6858000" cy="9144000"/>
@@ -245,7 +246,7 @@
           <a:p>
             <a:fld id="{3B5DF39D-1BE0-469D-9049-7719E1BB5A17}" type="datetimeFigureOut">
               <a:rPr lang="es-CO" smtClean="0"/>
-              <a:t>8/10/2017</a:t>
+              <a:t>30/11/2017</a:t>
             </a:fld>
             <a:endParaRPr lang="es-CO"/>
           </a:p>
@@ -415,7 +416,7 @@
           <a:p>
             <a:fld id="{3B5DF39D-1BE0-469D-9049-7719E1BB5A17}" type="datetimeFigureOut">
               <a:rPr lang="es-CO" smtClean="0"/>
-              <a:t>8/10/2017</a:t>
+              <a:t>30/11/2017</a:t>
             </a:fld>
             <a:endParaRPr lang="es-CO"/>
           </a:p>
@@ -595,7 +596,7 @@
           <a:p>
             <a:fld id="{3B5DF39D-1BE0-469D-9049-7719E1BB5A17}" type="datetimeFigureOut">
               <a:rPr lang="es-CO" smtClean="0"/>
-              <a:t>8/10/2017</a:t>
+              <a:t>30/11/2017</a:t>
             </a:fld>
             <a:endParaRPr lang="es-CO"/>
           </a:p>
@@ -765,7 +766,7 @@
           <a:p>
             <a:fld id="{3B5DF39D-1BE0-469D-9049-7719E1BB5A17}" type="datetimeFigureOut">
               <a:rPr lang="es-CO" smtClean="0"/>
-              <a:t>8/10/2017</a:t>
+              <a:t>30/11/2017</a:t>
             </a:fld>
             <a:endParaRPr lang="es-CO"/>
           </a:p>
@@ -1011,7 +1012,7 @@
           <a:p>
             <a:fld id="{3B5DF39D-1BE0-469D-9049-7719E1BB5A17}" type="datetimeFigureOut">
               <a:rPr lang="es-CO" smtClean="0"/>
-              <a:t>8/10/2017</a:t>
+              <a:t>30/11/2017</a:t>
             </a:fld>
             <a:endParaRPr lang="es-CO"/>
           </a:p>
@@ -1243,7 +1244,7 @@
           <a:p>
             <a:fld id="{3B5DF39D-1BE0-469D-9049-7719E1BB5A17}" type="datetimeFigureOut">
               <a:rPr lang="es-CO" smtClean="0"/>
-              <a:t>8/10/2017</a:t>
+              <a:t>30/11/2017</a:t>
             </a:fld>
             <a:endParaRPr lang="es-CO"/>
           </a:p>
@@ -1610,7 +1611,7 @@
           <a:p>
             <a:fld id="{3B5DF39D-1BE0-469D-9049-7719E1BB5A17}" type="datetimeFigureOut">
               <a:rPr lang="es-CO" smtClean="0"/>
-              <a:t>8/10/2017</a:t>
+              <a:t>30/11/2017</a:t>
             </a:fld>
             <a:endParaRPr lang="es-CO"/>
           </a:p>
@@ -1728,7 +1729,7 @@
           <a:p>
             <a:fld id="{3B5DF39D-1BE0-469D-9049-7719E1BB5A17}" type="datetimeFigureOut">
               <a:rPr lang="es-CO" smtClean="0"/>
-              <a:t>8/10/2017</a:t>
+              <a:t>30/11/2017</a:t>
             </a:fld>
             <a:endParaRPr lang="es-CO"/>
           </a:p>
@@ -1823,7 +1824,7 @@
           <a:p>
             <a:fld id="{3B5DF39D-1BE0-469D-9049-7719E1BB5A17}" type="datetimeFigureOut">
               <a:rPr lang="es-CO" smtClean="0"/>
-              <a:t>8/10/2017</a:t>
+              <a:t>30/11/2017</a:t>
             </a:fld>
             <a:endParaRPr lang="es-CO"/>
           </a:p>
@@ -2100,7 +2101,7 @@
           <a:p>
             <a:fld id="{3B5DF39D-1BE0-469D-9049-7719E1BB5A17}" type="datetimeFigureOut">
               <a:rPr lang="es-CO" smtClean="0"/>
-              <a:t>8/10/2017</a:t>
+              <a:t>30/11/2017</a:t>
             </a:fld>
             <a:endParaRPr lang="es-CO"/>
           </a:p>
@@ -2353,7 +2354,7 @@
           <a:p>
             <a:fld id="{3B5DF39D-1BE0-469D-9049-7719E1BB5A17}" type="datetimeFigureOut">
               <a:rPr lang="es-CO" smtClean="0"/>
-              <a:t>8/10/2017</a:t>
+              <a:t>30/11/2017</a:t>
             </a:fld>
             <a:endParaRPr lang="es-CO"/>
           </a:p>
@@ -2566,7 +2567,7 @@
           <a:p>
             <a:fld id="{3B5DF39D-1BE0-469D-9049-7719E1BB5A17}" type="datetimeFigureOut">
               <a:rPr lang="es-CO" smtClean="0"/>
-              <a:t>8/10/2017</a:t>
+              <a:t>30/11/2017</a:t>
             </a:fld>
             <a:endParaRPr lang="es-CO"/>
           </a:p>
@@ -5405,7 +5406,7 @@
         </p:blipFill>
         <p:spPr>
           <a:xfrm>
-            <a:off x="7627041" y="5606548"/>
+            <a:off x="7160983" y="5638705"/>
             <a:ext cx="460339" cy="460339"/>
           </a:xfrm>
           <a:prstGeom prst="rect">
@@ -5435,7 +5436,7 @@
         </p:blipFill>
         <p:spPr>
           <a:xfrm>
-            <a:off x="7627041" y="6233550"/>
+            <a:off x="7147280" y="6233109"/>
             <a:ext cx="487744" cy="487744"/>
           </a:xfrm>
           <a:prstGeom prst="rect">
@@ -5511,7 +5512,7 @@
         </p:nvSpPr>
         <p:spPr>
           <a:xfrm>
-            <a:off x="8265420" y="5646176"/>
+            <a:off x="8042378" y="5707578"/>
             <a:ext cx="2262457" cy="369332"/>
           </a:xfrm>
           <a:prstGeom prst="rect">
@@ -5545,8 +5546,8 @@
         </p:nvSpPr>
         <p:spPr>
           <a:xfrm>
-            <a:off x="8265420" y="6251350"/>
-            <a:ext cx="2262457" cy="369332"/>
+            <a:off x="7881533" y="6172199"/>
+            <a:ext cx="2714778" cy="646331"/>
           </a:xfrm>
           <a:prstGeom prst="rect">
             <a:avLst/>
@@ -5566,7 +5567,15 @@
                   <a:schemeClr val="bg1"/>
                 </a:solidFill>
               </a:rPr>
-              <a:t>Conceptos de POO</a:t>
+              <a:t>Conceptos /Características </a:t>
+            </a:r>
+            <a:r>
+              <a:rPr lang="es-CO" dirty="0" smtClean="0">
+                <a:solidFill>
+                  <a:schemeClr val="bg1"/>
+                </a:solidFill>
+              </a:rPr>
+              <a:t>de POO</a:t>
             </a:r>
           </a:p>
         </p:txBody>
@@ -7450,70 +7459,10 @@
           </a:p>
         </p:txBody>
       </p:sp>
-      <p:pic>
-        <p:nvPicPr>
-          <p:cNvPr id="2" name="Imagen 1"/>
-          <p:cNvPicPr>
-            <a:picLocks noChangeAspect="1"/>
-          </p:cNvPicPr>
-          <p:nvPr/>
-        </p:nvPicPr>
-        <p:blipFill>
-          <a:blip r:embed="rId12" cstate="print">
-            <a:extLst>
-              <a:ext uri="{28A0092B-C50C-407E-A947-70E740481C1C}">
-                <a14:useLocalDpi xmlns:a14="http://schemas.microsoft.com/office/drawing/2010/main" val="0"/>
-              </a:ext>
-            </a:extLst>
-          </a:blip>
-          <a:stretch>
-            <a:fillRect/>
-          </a:stretch>
-        </p:blipFill>
-        <p:spPr>
-          <a:xfrm>
-            <a:off x="668808" y="4209985"/>
-            <a:ext cx="395019" cy="713992"/>
-          </a:xfrm>
-          <a:prstGeom prst="rect">
-            <a:avLst/>
-          </a:prstGeom>
-        </p:spPr>
-      </p:pic>
-      <p:pic>
-        <p:nvPicPr>
-          <p:cNvPr id="3" name="Imagen 2"/>
-          <p:cNvPicPr>
-            <a:picLocks noChangeAspect="1"/>
-          </p:cNvPicPr>
-          <p:nvPr/>
-        </p:nvPicPr>
-        <p:blipFill>
-          <a:blip r:embed="rId13" cstate="print">
-            <a:extLst>
-              <a:ext uri="{28A0092B-C50C-407E-A947-70E740481C1C}">
-                <a14:useLocalDpi xmlns:a14="http://schemas.microsoft.com/office/drawing/2010/main" val="0"/>
-              </a:ext>
-            </a:extLst>
-          </a:blip>
-          <a:stretch>
-            <a:fillRect/>
-          </a:stretch>
-        </p:blipFill>
-        <p:spPr>
-          <a:xfrm>
-            <a:off x="1117461" y="4189469"/>
-            <a:ext cx="394968" cy="687686"/>
-          </a:xfrm>
-          <a:prstGeom prst="rect">
-            <a:avLst/>
-          </a:prstGeom>
-        </p:spPr>
-      </p:pic>
     </p:spTree>
     <p:extLst>
       <p:ext uri="{BB962C8B-B14F-4D97-AF65-F5344CB8AC3E}">
-        <p14:creationId xmlns:p14="http://schemas.microsoft.com/office/powerpoint/2010/main" val="3824282424"/>
+        <p14:creationId xmlns:p14="http://schemas.microsoft.com/office/powerpoint/2010/main" val="4216942611"/>
       </p:ext>
     </p:extLst>
   </p:cSld>
@@ -9768,6 +9717,2324 @@
           </a:p>
         </p:txBody>
       </p:sp>
+      <p:pic>
+        <p:nvPicPr>
+          <p:cNvPr id="2" name="Imagen 1"/>
+          <p:cNvPicPr>
+            <a:picLocks noChangeAspect="1"/>
+          </p:cNvPicPr>
+          <p:nvPr/>
+        </p:nvPicPr>
+        <p:blipFill>
+          <a:blip r:embed="rId12" cstate="print">
+            <a:extLst>
+              <a:ext uri="{28A0092B-C50C-407E-A947-70E740481C1C}">
+                <a14:useLocalDpi xmlns:a14="http://schemas.microsoft.com/office/drawing/2010/main" val="0"/>
+              </a:ext>
+            </a:extLst>
+          </a:blip>
+          <a:stretch>
+            <a:fillRect/>
+          </a:stretch>
+        </p:blipFill>
+        <p:spPr>
+          <a:xfrm>
+            <a:off x="668808" y="4209985"/>
+            <a:ext cx="395019" cy="713992"/>
+          </a:xfrm>
+          <a:prstGeom prst="rect">
+            <a:avLst/>
+          </a:prstGeom>
+        </p:spPr>
+      </p:pic>
+      <p:pic>
+        <p:nvPicPr>
+          <p:cNvPr id="3" name="Imagen 2"/>
+          <p:cNvPicPr>
+            <a:picLocks noChangeAspect="1"/>
+          </p:cNvPicPr>
+          <p:nvPr/>
+        </p:nvPicPr>
+        <p:blipFill>
+          <a:blip r:embed="rId13" cstate="print">
+            <a:extLst>
+              <a:ext uri="{28A0092B-C50C-407E-A947-70E740481C1C}">
+                <a14:useLocalDpi xmlns:a14="http://schemas.microsoft.com/office/drawing/2010/main" val="0"/>
+              </a:ext>
+            </a:extLst>
+          </a:blip>
+          <a:stretch>
+            <a:fillRect/>
+          </a:stretch>
+        </p:blipFill>
+        <p:spPr>
+          <a:xfrm>
+            <a:off x="1117461" y="4189469"/>
+            <a:ext cx="394968" cy="687686"/>
+          </a:xfrm>
+          <a:prstGeom prst="rect">
+            <a:avLst/>
+          </a:prstGeom>
+        </p:spPr>
+      </p:pic>
+    </p:spTree>
+    <p:extLst>
+      <p:ext uri="{BB962C8B-B14F-4D97-AF65-F5344CB8AC3E}">
+        <p14:creationId xmlns:p14="http://schemas.microsoft.com/office/powerpoint/2010/main" val="3824282424"/>
+      </p:ext>
+    </p:extLst>
+  </p:cSld>
+  <p:clrMapOvr>
+    <a:masterClrMapping/>
+  </p:clrMapOvr>
+  <p:timing>
+    <p:tnLst>
+      <p:par>
+        <p:cTn id="1" dur="indefinite" restart="never" nodeType="tmRoot"/>
+      </p:par>
+    </p:tnLst>
+  </p:timing>
+</p:sld>
+</file>
+
+<file path=ppt/slides/slide4.xml><?xml version="1.0" encoding="utf-8"?>
+<p:sld xmlns:a="http://schemas.openxmlformats.org/drawingml/2006/main" xmlns:r="http://schemas.openxmlformats.org/officeDocument/2006/relationships" xmlns:p="http://schemas.openxmlformats.org/presentationml/2006/main">
+  <p:cSld>
+    <p:spTree>
+      <p:nvGrpSpPr>
+        <p:cNvPr id="1" name=""/>
+        <p:cNvGrpSpPr/>
+        <p:nvPr/>
+      </p:nvGrpSpPr>
+      <p:grpSpPr>
+        <a:xfrm>
+          <a:off x="0" y="0"/>
+          <a:ext cx="0" cy="0"/>
+          <a:chOff x="0" y="0"/>
+          <a:chExt cx="0" cy="0"/>
+        </a:xfrm>
+      </p:grpSpPr>
+      <p:sp>
+        <p:nvSpPr>
+          <p:cNvPr id="4" name="Rectángulo 3"/>
+          <p:cNvSpPr/>
+          <p:nvPr/>
+        </p:nvSpPr>
+        <p:spPr>
+          <a:xfrm>
+            <a:off x="0" y="5486400"/>
+            <a:ext cx="12192000" cy="1371600"/>
+          </a:xfrm>
+          <a:prstGeom prst="rect">
+            <a:avLst/>
+          </a:prstGeom>
+          <a:solidFill>
+            <a:schemeClr val="tx2"/>
+          </a:solidFill>
+        </p:spPr>
+        <p:style>
+          <a:lnRef idx="2">
+            <a:schemeClr val="accent1">
+              <a:shade val="50000"/>
+            </a:schemeClr>
+          </a:lnRef>
+          <a:fillRef idx="1">
+            <a:schemeClr val="accent1"/>
+          </a:fillRef>
+          <a:effectRef idx="0">
+            <a:schemeClr val="accent1"/>
+          </a:effectRef>
+          <a:fontRef idx="minor">
+            <a:schemeClr val="lt1"/>
+          </a:fontRef>
+        </p:style>
+        <p:txBody>
+          <a:bodyPr rtlCol="0" anchor="ctr"/>
+          <a:lstStyle/>
+          <a:p>
+            <a:pPr algn="ctr"/>
+            <a:endParaRPr lang="es-CO" dirty="0"/>
+          </a:p>
+        </p:txBody>
+      </p:sp>
+      <p:sp>
+        <p:nvSpPr>
+          <p:cNvPr id="6" name="CuadroTexto 5"/>
+          <p:cNvSpPr txBox="1"/>
+          <p:nvPr/>
+        </p:nvSpPr>
+        <p:spPr>
+          <a:xfrm>
+            <a:off x="295275" y="5879812"/>
+            <a:ext cx="2238375" cy="584775"/>
+          </a:xfrm>
+          <a:prstGeom prst="rect">
+            <a:avLst/>
+          </a:prstGeom>
+          <a:noFill/>
+        </p:spPr>
+        <p:txBody>
+          <a:bodyPr wrap="square" rtlCol="0">
+            <a:spAutoFit/>
+          </a:bodyPr>
+          <a:lstStyle/>
+          <a:p>
+            <a:r>
+              <a:rPr lang="es-CO" sz="3200" dirty="0" smtClean="0">
+                <a:solidFill>
+                  <a:schemeClr val="bg1"/>
+                </a:solidFill>
+              </a:rPr>
+              <a:t>Categorías:</a:t>
+            </a:r>
+            <a:endParaRPr lang="es-CO" sz="3200" dirty="0">
+              <a:solidFill>
+                <a:schemeClr val="bg1"/>
+              </a:solidFill>
+            </a:endParaRPr>
+          </a:p>
+        </p:txBody>
+      </p:sp>
+      <p:sp>
+        <p:nvSpPr>
+          <p:cNvPr id="7" name="CuadroTexto 6"/>
+          <p:cNvSpPr txBox="1"/>
+          <p:nvPr/>
+        </p:nvSpPr>
+        <p:spPr>
+          <a:xfrm>
+            <a:off x="4495801" y="5646176"/>
+            <a:ext cx="2262457" cy="369332"/>
+          </a:xfrm>
+          <a:prstGeom prst="rect">
+            <a:avLst/>
+          </a:prstGeom>
+          <a:noFill/>
+        </p:spPr>
+        <p:txBody>
+          <a:bodyPr wrap="square" rtlCol="0">
+            <a:spAutoFit/>
+          </a:bodyPr>
+          <a:lstStyle/>
+          <a:p>
+            <a:pPr algn="ctr"/>
+            <a:r>
+              <a:rPr lang="es-CO" dirty="0" smtClean="0">
+                <a:solidFill>
+                  <a:schemeClr val="bg1"/>
+                </a:solidFill>
+              </a:rPr>
+              <a:t>Principios de Diseño</a:t>
+            </a:r>
+          </a:p>
+        </p:txBody>
+      </p:sp>
+      <p:sp>
+        <p:nvSpPr>
+          <p:cNvPr id="8" name="CuadroTexto 7"/>
+          <p:cNvSpPr txBox="1"/>
+          <p:nvPr/>
+        </p:nvSpPr>
+        <p:spPr>
+          <a:xfrm>
+            <a:off x="4495801" y="6251350"/>
+            <a:ext cx="2262457" cy="369332"/>
+          </a:xfrm>
+          <a:prstGeom prst="rect">
+            <a:avLst/>
+          </a:prstGeom>
+          <a:noFill/>
+        </p:spPr>
+        <p:txBody>
+          <a:bodyPr wrap="square" rtlCol="0">
+            <a:spAutoFit/>
+          </a:bodyPr>
+          <a:lstStyle/>
+          <a:p>
+            <a:pPr algn="ctr"/>
+            <a:r>
+              <a:rPr lang="es-CO" dirty="0" smtClean="0">
+                <a:solidFill>
+                  <a:schemeClr val="bg1"/>
+                </a:solidFill>
+              </a:rPr>
+              <a:t>Diagrama UML</a:t>
+            </a:r>
+            <a:endParaRPr lang="es-CO" dirty="0">
+              <a:solidFill>
+                <a:schemeClr val="bg1"/>
+              </a:solidFill>
+            </a:endParaRPr>
+          </a:p>
+        </p:txBody>
+      </p:sp>
+      <p:pic>
+        <p:nvPicPr>
+          <p:cNvPr id="12" name="Imagen 11"/>
+          <p:cNvPicPr>
+            <a:picLocks noChangeAspect="1"/>
+          </p:cNvPicPr>
+          <p:nvPr/>
+        </p:nvPicPr>
+        <p:blipFill>
+          <a:blip r:embed="rId2" cstate="print">
+            <a:extLst>
+              <a:ext uri="{28A0092B-C50C-407E-A947-70E740481C1C}">
+                <a14:useLocalDpi xmlns:a14="http://schemas.microsoft.com/office/drawing/2010/main" val="0"/>
+              </a:ext>
+            </a:extLst>
+          </a:blip>
+          <a:stretch>
+            <a:fillRect/>
+          </a:stretch>
+        </p:blipFill>
+        <p:spPr>
+          <a:xfrm>
+            <a:off x="7627041" y="5606548"/>
+            <a:ext cx="460339" cy="460339"/>
+          </a:xfrm>
+          <a:prstGeom prst="rect">
+            <a:avLst/>
+          </a:prstGeom>
+        </p:spPr>
+      </p:pic>
+      <p:pic>
+        <p:nvPicPr>
+          <p:cNvPr id="13" name="Imagen 12"/>
+          <p:cNvPicPr>
+            <a:picLocks noChangeAspect="1"/>
+          </p:cNvPicPr>
+          <p:nvPr/>
+        </p:nvPicPr>
+        <p:blipFill>
+          <a:blip r:embed="rId3" cstate="print">
+            <a:extLst>
+              <a:ext uri="{28A0092B-C50C-407E-A947-70E740481C1C}">
+                <a14:useLocalDpi xmlns:a14="http://schemas.microsoft.com/office/drawing/2010/main" val="0"/>
+              </a:ext>
+            </a:extLst>
+          </a:blip>
+          <a:stretch>
+            <a:fillRect/>
+          </a:stretch>
+        </p:blipFill>
+        <p:spPr>
+          <a:xfrm>
+            <a:off x="7627041" y="6233550"/>
+            <a:ext cx="487744" cy="487744"/>
+          </a:xfrm>
+          <a:prstGeom prst="rect">
+            <a:avLst/>
+          </a:prstGeom>
+        </p:spPr>
+      </p:pic>
+      <p:pic>
+        <p:nvPicPr>
+          <p:cNvPr id="14" name="Imagen 13"/>
+          <p:cNvPicPr>
+            <a:picLocks noChangeAspect="1"/>
+          </p:cNvPicPr>
+          <p:nvPr/>
+        </p:nvPicPr>
+        <p:blipFill>
+          <a:blip r:embed="rId4" cstate="print">
+            <a:extLst>
+              <a:ext uri="{28A0092B-C50C-407E-A947-70E740481C1C}">
+                <a14:useLocalDpi xmlns:a14="http://schemas.microsoft.com/office/drawing/2010/main" val="0"/>
+              </a:ext>
+            </a:extLst>
+          </a:blip>
+          <a:stretch>
+            <a:fillRect/>
+          </a:stretch>
+        </p:blipFill>
+        <p:spPr>
+          <a:xfrm>
+            <a:off x="3936161" y="5656944"/>
+            <a:ext cx="423862" cy="423862"/>
+          </a:xfrm>
+          <a:prstGeom prst="rect">
+            <a:avLst/>
+          </a:prstGeom>
+        </p:spPr>
+      </p:pic>
+      <p:pic>
+        <p:nvPicPr>
+          <p:cNvPr id="15" name="Imagen 14"/>
+          <p:cNvPicPr>
+            <a:picLocks noChangeAspect="1"/>
+          </p:cNvPicPr>
+          <p:nvPr/>
+        </p:nvPicPr>
+        <p:blipFill>
+          <a:blip r:embed="rId5" cstate="print">
+            <a:extLst>
+              <a:ext uri="{28A0092B-C50C-407E-A947-70E740481C1C}">
+                <a14:useLocalDpi xmlns:a14="http://schemas.microsoft.com/office/drawing/2010/main" val="0"/>
+              </a:ext>
+            </a:extLst>
+          </a:blip>
+          <a:stretch>
+            <a:fillRect/>
+          </a:stretch>
+        </p:blipFill>
+        <p:spPr>
+          <a:xfrm>
+            <a:off x="3900353" y="6251350"/>
+            <a:ext cx="459670" cy="459670"/>
+          </a:xfrm>
+          <a:prstGeom prst="rect">
+            <a:avLst/>
+          </a:prstGeom>
+        </p:spPr>
+      </p:pic>
+      <p:sp>
+        <p:nvSpPr>
+          <p:cNvPr id="17" name="CuadroTexto 16"/>
+          <p:cNvSpPr txBox="1"/>
+          <p:nvPr/>
+        </p:nvSpPr>
+        <p:spPr>
+          <a:xfrm>
+            <a:off x="8265420" y="5646176"/>
+            <a:ext cx="2262457" cy="369332"/>
+          </a:xfrm>
+          <a:prstGeom prst="rect">
+            <a:avLst/>
+          </a:prstGeom>
+          <a:noFill/>
+        </p:spPr>
+        <p:txBody>
+          <a:bodyPr wrap="square" rtlCol="0">
+            <a:spAutoFit/>
+          </a:bodyPr>
+          <a:lstStyle/>
+          <a:p>
+            <a:pPr algn="ctr"/>
+            <a:r>
+              <a:rPr lang="es-CO" dirty="0" smtClean="0">
+                <a:solidFill>
+                  <a:schemeClr val="bg1"/>
+                </a:solidFill>
+              </a:rPr>
+              <a:t>Historia de POO</a:t>
+            </a:r>
+          </a:p>
+        </p:txBody>
+      </p:sp>
+      <p:sp>
+        <p:nvSpPr>
+          <p:cNvPr id="18" name="CuadroTexto 17"/>
+          <p:cNvSpPr txBox="1"/>
+          <p:nvPr/>
+        </p:nvSpPr>
+        <p:spPr>
+          <a:xfrm>
+            <a:off x="8265420" y="6251350"/>
+            <a:ext cx="2262457" cy="369332"/>
+          </a:xfrm>
+          <a:prstGeom prst="rect">
+            <a:avLst/>
+          </a:prstGeom>
+          <a:noFill/>
+        </p:spPr>
+        <p:txBody>
+          <a:bodyPr wrap="square" rtlCol="0">
+            <a:spAutoFit/>
+          </a:bodyPr>
+          <a:lstStyle/>
+          <a:p>
+            <a:pPr algn="ctr"/>
+            <a:r>
+              <a:rPr lang="es-CO" dirty="0" smtClean="0">
+                <a:solidFill>
+                  <a:schemeClr val="bg1"/>
+                </a:solidFill>
+              </a:rPr>
+              <a:t>Conceptos de POO</a:t>
+            </a:r>
+          </a:p>
+        </p:txBody>
+      </p:sp>
+      <p:sp>
+        <p:nvSpPr>
+          <p:cNvPr id="20" name="Rectángulo 19"/>
+          <p:cNvSpPr/>
+          <p:nvPr/>
+        </p:nvSpPr>
+        <p:spPr>
+          <a:xfrm>
+            <a:off x="0" y="-3233"/>
+            <a:ext cx="12192000" cy="5509470"/>
+          </a:xfrm>
+          <a:prstGeom prst="rect">
+            <a:avLst/>
+          </a:prstGeom>
+          <a:solidFill>
+            <a:schemeClr val="tx2">
+              <a:lumMod val="50000"/>
+            </a:schemeClr>
+          </a:solidFill>
+        </p:spPr>
+        <p:style>
+          <a:lnRef idx="2">
+            <a:schemeClr val="accent1">
+              <a:shade val="50000"/>
+            </a:schemeClr>
+          </a:lnRef>
+          <a:fillRef idx="1">
+            <a:schemeClr val="accent1"/>
+          </a:fillRef>
+          <a:effectRef idx="0">
+            <a:schemeClr val="accent1"/>
+          </a:effectRef>
+          <a:fontRef idx="minor">
+            <a:schemeClr val="lt1"/>
+          </a:fontRef>
+        </p:style>
+        <p:txBody>
+          <a:bodyPr rtlCol="0" anchor="ctr"/>
+          <a:lstStyle/>
+          <a:p>
+            <a:pPr algn="ctr"/>
+            <a:endParaRPr lang="es-CO"/>
+          </a:p>
+        </p:txBody>
+      </p:sp>
+      <p:pic>
+        <p:nvPicPr>
+          <p:cNvPr id="23" name="Imagen 22"/>
+          <p:cNvPicPr>
+            <a:picLocks noChangeAspect="1"/>
+          </p:cNvPicPr>
+          <p:nvPr/>
+        </p:nvPicPr>
+        <p:blipFill>
+          <a:blip r:embed="rId6" cstate="print">
+            <a:extLst>
+              <a:ext uri="{28A0092B-C50C-407E-A947-70E740481C1C}">
+                <a14:useLocalDpi xmlns:a14="http://schemas.microsoft.com/office/drawing/2010/main" val="0"/>
+              </a:ext>
+            </a:extLst>
+          </a:blip>
+          <a:stretch>
+            <a:fillRect/>
+          </a:stretch>
+        </p:blipFill>
+        <p:spPr>
+          <a:xfrm>
+            <a:off x="9973194" y="4064571"/>
+            <a:ext cx="1711515" cy="1283636"/>
+          </a:xfrm>
+          <a:prstGeom prst="rect">
+            <a:avLst/>
+          </a:prstGeom>
+        </p:spPr>
+      </p:pic>
+      <p:pic>
+        <p:nvPicPr>
+          <p:cNvPr id="24" name="Imagen 23"/>
+          <p:cNvPicPr>
+            <a:picLocks noChangeAspect="1"/>
+          </p:cNvPicPr>
+          <p:nvPr/>
+        </p:nvPicPr>
+        <p:blipFill>
+          <a:blip r:embed="rId7">
+            <a:extLst>
+              <a:ext uri="{28A0092B-C50C-407E-A947-70E740481C1C}">
+                <a14:useLocalDpi xmlns:a14="http://schemas.microsoft.com/office/drawing/2010/main" val="0"/>
+              </a:ext>
+            </a:extLst>
+          </a:blip>
+          <a:stretch>
+            <a:fillRect/>
+          </a:stretch>
+        </p:blipFill>
+        <p:spPr>
+          <a:xfrm>
+            <a:off x="542801" y="4220987"/>
+            <a:ext cx="1090746" cy="1078626"/>
+          </a:xfrm>
+          <a:prstGeom prst="rect">
+            <a:avLst/>
+          </a:prstGeom>
+        </p:spPr>
+      </p:pic>
+      <p:pic>
+        <p:nvPicPr>
+          <p:cNvPr id="25" name="Imagen 24"/>
+          <p:cNvPicPr>
+            <a:picLocks noChangeAspect="1"/>
+          </p:cNvPicPr>
+          <p:nvPr/>
+        </p:nvPicPr>
+        <p:blipFill>
+          <a:blip r:embed="rId8" cstate="print">
+            <a:extLst>
+              <a:ext uri="{28A0092B-C50C-407E-A947-70E740481C1C}">
+                <a14:useLocalDpi xmlns:a14="http://schemas.microsoft.com/office/drawing/2010/main" val="0"/>
+              </a:ext>
+            </a:extLst>
+          </a:blip>
+          <a:stretch>
+            <a:fillRect/>
+          </a:stretch>
+        </p:blipFill>
+        <p:spPr>
+          <a:xfrm>
+            <a:off x="1876425" y="3812337"/>
+            <a:ext cx="657225" cy="657225"/>
+          </a:xfrm>
+          <a:prstGeom prst="rect">
+            <a:avLst/>
+          </a:prstGeom>
+        </p:spPr>
+      </p:pic>
+      <p:pic>
+        <p:nvPicPr>
+          <p:cNvPr id="26" name="Imagen 25"/>
+          <p:cNvPicPr>
+            <a:picLocks noChangeAspect="1"/>
+          </p:cNvPicPr>
+          <p:nvPr/>
+        </p:nvPicPr>
+        <p:blipFill>
+          <a:blip r:embed="rId9" cstate="print">
+            <a:extLst>
+              <a:ext uri="{28A0092B-C50C-407E-A947-70E740481C1C}">
+                <a14:useLocalDpi xmlns:a14="http://schemas.microsoft.com/office/drawing/2010/main" val="0"/>
+              </a:ext>
+            </a:extLst>
+          </a:blip>
+          <a:stretch>
+            <a:fillRect/>
+          </a:stretch>
+        </p:blipFill>
+        <p:spPr>
+          <a:xfrm>
+            <a:off x="2366962" y="2756732"/>
+            <a:ext cx="668491" cy="668491"/>
+          </a:xfrm>
+          <a:prstGeom prst="rect">
+            <a:avLst/>
+          </a:prstGeom>
+        </p:spPr>
+      </p:pic>
+      <p:pic>
+        <p:nvPicPr>
+          <p:cNvPr id="27" name="Imagen 26"/>
+          <p:cNvPicPr>
+            <a:picLocks noChangeAspect="1"/>
+          </p:cNvPicPr>
+          <p:nvPr/>
+        </p:nvPicPr>
+        <p:blipFill>
+          <a:blip r:embed="rId10" cstate="print">
+            <a:extLst>
+              <a:ext uri="{28A0092B-C50C-407E-A947-70E740481C1C}">
+                <a14:useLocalDpi xmlns:a14="http://schemas.microsoft.com/office/drawing/2010/main" val="0"/>
+              </a:ext>
+            </a:extLst>
+          </a:blip>
+          <a:stretch>
+            <a:fillRect/>
+          </a:stretch>
+        </p:blipFill>
+        <p:spPr>
+          <a:xfrm>
+            <a:off x="2023989" y="1774628"/>
+            <a:ext cx="685946" cy="685946"/>
+          </a:xfrm>
+          <a:prstGeom prst="rect">
+            <a:avLst/>
+          </a:prstGeom>
+        </p:spPr>
+      </p:pic>
+      <p:pic>
+        <p:nvPicPr>
+          <p:cNvPr id="28" name="Imagen 27"/>
+          <p:cNvPicPr>
+            <a:picLocks noChangeAspect="1"/>
+          </p:cNvPicPr>
+          <p:nvPr/>
+        </p:nvPicPr>
+        <p:blipFill>
+          <a:blip r:embed="rId11" cstate="print">
+            <a:extLst>
+              <a:ext uri="{28A0092B-C50C-407E-A947-70E740481C1C}">
+                <a14:useLocalDpi xmlns:a14="http://schemas.microsoft.com/office/drawing/2010/main" val="0"/>
+              </a:ext>
+            </a:extLst>
+          </a:blip>
+          <a:stretch>
+            <a:fillRect/>
+          </a:stretch>
+        </p:blipFill>
+        <p:spPr>
+          <a:xfrm>
+            <a:off x="1519092" y="805980"/>
+            <a:ext cx="685945" cy="685945"/>
+          </a:xfrm>
+          <a:prstGeom prst="rect">
+            <a:avLst/>
+          </a:prstGeom>
+        </p:spPr>
+      </p:pic>
+      <p:pic>
+        <p:nvPicPr>
+          <p:cNvPr id="29" name="Imagen 28"/>
+          <p:cNvPicPr>
+            <a:picLocks noChangeAspect="1"/>
+          </p:cNvPicPr>
+          <p:nvPr/>
+        </p:nvPicPr>
+        <p:blipFill>
+          <a:blip r:embed="rId8" cstate="print">
+            <a:extLst>
+              <a:ext uri="{28A0092B-C50C-407E-A947-70E740481C1C}">
+                <a14:useLocalDpi xmlns:a14="http://schemas.microsoft.com/office/drawing/2010/main" val="0"/>
+              </a:ext>
+            </a:extLst>
+          </a:blip>
+          <a:stretch>
+            <a:fillRect/>
+          </a:stretch>
+        </p:blipFill>
+        <p:spPr>
+          <a:xfrm>
+            <a:off x="2381322" y="148755"/>
+            <a:ext cx="657225" cy="657225"/>
+          </a:xfrm>
+          <a:prstGeom prst="rect">
+            <a:avLst/>
+          </a:prstGeom>
+        </p:spPr>
+      </p:pic>
+      <p:pic>
+        <p:nvPicPr>
+          <p:cNvPr id="30" name="Imagen 29"/>
+          <p:cNvPicPr>
+            <a:picLocks noChangeAspect="1"/>
+          </p:cNvPicPr>
+          <p:nvPr/>
+        </p:nvPicPr>
+        <p:blipFill>
+          <a:blip r:embed="rId9" cstate="print">
+            <a:extLst>
+              <a:ext uri="{28A0092B-C50C-407E-A947-70E740481C1C}">
+                <a14:useLocalDpi xmlns:a14="http://schemas.microsoft.com/office/drawing/2010/main" val="0"/>
+              </a:ext>
+            </a:extLst>
+          </a:blip>
+          <a:stretch>
+            <a:fillRect/>
+          </a:stretch>
+        </p:blipFill>
+        <p:spPr>
+          <a:xfrm>
+            <a:off x="3447481" y="823434"/>
+            <a:ext cx="668491" cy="668491"/>
+          </a:xfrm>
+          <a:prstGeom prst="rect">
+            <a:avLst/>
+          </a:prstGeom>
+        </p:spPr>
+      </p:pic>
+      <p:pic>
+        <p:nvPicPr>
+          <p:cNvPr id="31" name="Imagen 30"/>
+          <p:cNvPicPr>
+            <a:picLocks noChangeAspect="1"/>
+          </p:cNvPicPr>
+          <p:nvPr/>
+        </p:nvPicPr>
+        <p:blipFill>
+          <a:blip r:embed="rId10" cstate="print">
+            <a:extLst>
+              <a:ext uri="{28A0092B-C50C-407E-A947-70E740481C1C}">
+                <a14:useLocalDpi xmlns:a14="http://schemas.microsoft.com/office/drawing/2010/main" val="0"/>
+              </a:ext>
+            </a:extLst>
+          </a:blip>
+          <a:stretch>
+            <a:fillRect/>
+          </a:stretch>
+        </p:blipFill>
+        <p:spPr>
+          <a:xfrm>
+            <a:off x="4586359" y="129082"/>
+            <a:ext cx="685946" cy="685946"/>
+          </a:xfrm>
+          <a:prstGeom prst="rect">
+            <a:avLst/>
+          </a:prstGeom>
+        </p:spPr>
+      </p:pic>
+      <p:pic>
+        <p:nvPicPr>
+          <p:cNvPr id="32" name="Imagen 31"/>
+          <p:cNvPicPr>
+            <a:picLocks noChangeAspect="1"/>
+          </p:cNvPicPr>
+          <p:nvPr/>
+        </p:nvPicPr>
+        <p:blipFill>
+          <a:blip r:embed="rId11" cstate="print">
+            <a:extLst>
+              <a:ext uri="{28A0092B-C50C-407E-A947-70E740481C1C}">
+                <a14:useLocalDpi xmlns:a14="http://schemas.microsoft.com/office/drawing/2010/main" val="0"/>
+              </a:ext>
+            </a:extLst>
+          </a:blip>
+          <a:stretch>
+            <a:fillRect/>
+          </a:stretch>
+        </p:blipFill>
+        <p:spPr>
+          <a:xfrm>
+            <a:off x="5747105" y="805979"/>
+            <a:ext cx="685945" cy="685945"/>
+          </a:xfrm>
+          <a:prstGeom prst="rect">
+            <a:avLst/>
+          </a:prstGeom>
+        </p:spPr>
+      </p:pic>
+      <p:pic>
+        <p:nvPicPr>
+          <p:cNvPr id="33" name="Imagen 32"/>
+          <p:cNvPicPr>
+            <a:picLocks noChangeAspect="1"/>
+          </p:cNvPicPr>
+          <p:nvPr/>
+        </p:nvPicPr>
+        <p:blipFill>
+          <a:blip r:embed="rId8" cstate="print">
+            <a:extLst>
+              <a:ext uri="{28A0092B-C50C-407E-A947-70E740481C1C}">
+                <a14:useLocalDpi xmlns:a14="http://schemas.microsoft.com/office/drawing/2010/main" val="0"/>
+              </a:ext>
+            </a:extLst>
+          </a:blip>
+          <a:stretch>
+            <a:fillRect/>
+          </a:stretch>
+        </p:blipFill>
+        <p:spPr>
+          <a:xfrm>
+            <a:off x="4943692" y="1831866"/>
+            <a:ext cx="657225" cy="657225"/>
+          </a:xfrm>
+          <a:prstGeom prst="rect">
+            <a:avLst/>
+          </a:prstGeom>
+        </p:spPr>
+      </p:pic>
+      <p:pic>
+        <p:nvPicPr>
+          <p:cNvPr id="34" name="Imagen 33"/>
+          <p:cNvPicPr>
+            <a:picLocks noChangeAspect="1"/>
+          </p:cNvPicPr>
+          <p:nvPr/>
+        </p:nvPicPr>
+        <p:blipFill>
+          <a:blip r:embed="rId9" cstate="print">
+            <a:extLst>
+              <a:ext uri="{28A0092B-C50C-407E-A947-70E740481C1C}">
+                <a14:useLocalDpi xmlns:a14="http://schemas.microsoft.com/office/drawing/2010/main" val="0"/>
+              </a:ext>
+            </a:extLst>
+          </a:blip>
+          <a:stretch>
+            <a:fillRect/>
+          </a:stretch>
+        </p:blipFill>
+        <p:spPr>
+          <a:xfrm>
+            <a:off x="4252113" y="2529580"/>
+            <a:ext cx="668491" cy="668491"/>
+          </a:xfrm>
+          <a:prstGeom prst="rect">
+            <a:avLst/>
+          </a:prstGeom>
+        </p:spPr>
+      </p:pic>
+      <p:pic>
+        <p:nvPicPr>
+          <p:cNvPr id="35" name="Imagen 34"/>
+          <p:cNvPicPr>
+            <a:picLocks noChangeAspect="1"/>
+          </p:cNvPicPr>
+          <p:nvPr/>
+        </p:nvPicPr>
+        <p:blipFill>
+          <a:blip r:embed="rId10" cstate="print">
+            <a:extLst>
+              <a:ext uri="{28A0092B-C50C-407E-A947-70E740481C1C}">
+                <a14:useLocalDpi xmlns:a14="http://schemas.microsoft.com/office/drawing/2010/main" val="0"/>
+              </a:ext>
+            </a:extLst>
+          </a:blip>
+          <a:stretch>
+            <a:fillRect/>
+          </a:stretch>
+        </p:blipFill>
+        <p:spPr>
+          <a:xfrm>
+            <a:off x="4410075" y="3571646"/>
+            <a:ext cx="685946" cy="685946"/>
+          </a:xfrm>
+          <a:prstGeom prst="rect">
+            <a:avLst/>
+          </a:prstGeom>
+        </p:spPr>
+      </p:pic>
+      <p:pic>
+        <p:nvPicPr>
+          <p:cNvPr id="36" name="Imagen 35"/>
+          <p:cNvPicPr>
+            <a:picLocks noChangeAspect="1"/>
+          </p:cNvPicPr>
+          <p:nvPr/>
+        </p:nvPicPr>
+        <p:blipFill>
+          <a:blip r:embed="rId11" cstate="print">
+            <a:extLst>
+              <a:ext uri="{28A0092B-C50C-407E-A947-70E740481C1C}">
+                <a14:useLocalDpi xmlns:a14="http://schemas.microsoft.com/office/drawing/2010/main" val="0"/>
+              </a:ext>
+            </a:extLst>
+          </a:blip>
+          <a:stretch>
+            <a:fillRect/>
+          </a:stretch>
+        </p:blipFill>
+        <p:spPr>
+          <a:xfrm>
+            <a:off x="5257944" y="4257592"/>
+            <a:ext cx="685945" cy="685945"/>
+          </a:xfrm>
+          <a:prstGeom prst="rect">
+            <a:avLst/>
+          </a:prstGeom>
+        </p:spPr>
+      </p:pic>
+      <p:pic>
+        <p:nvPicPr>
+          <p:cNvPr id="37" name="Imagen 36"/>
+          <p:cNvPicPr>
+            <a:picLocks noChangeAspect="1"/>
+          </p:cNvPicPr>
+          <p:nvPr/>
+        </p:nvPicPr>
+        <p:blipFill>
+          <a:blip r:embed="rId8" cstate="print">
+            <a:extLst>
+              <a:ext uri="{28A0092B-C50C-407E-A947-70E740481C1C}">
+                <a14:useLocalDpi xmlns:a14="http://schemas.microsoft.com/office/drawing/2010/main" val="0"/>
+              </a:ext>
+            </a:extLst>
+          </a:blip>
+          <a:stretch>
+            <a:fillRect/>
+          </a:stretch>
+        </p:blipFill>
+        <p:spPr>
+          <a:xfrm>
+            <a:off x="6429645" y="4126242"/>
+            <a:ext cx="657225" cy="657225"/>
+          </a:xfrm>
+          <a:prstGeom prst="rect">
+            <a:avLst/>
+          </a:prstGeom>
+        </p:spPr>
+      </p:pic>
+      <p:pic>
+        <p:nvPicPr>
+          <p:cNvPr id="38" name="Imagen 37"/>
+          <p:cNvPicPr>
+            <a:picLocks noChangeAspect="1"/>
+          </p:cNvPicPr>
+          <p:nvPr/>
+        </p:nvPicPr>
+        <p:blipFill>
+          <a:blip r:embed="rId9" cstate="print">
+            <a:extLst>
+              <a:ext uri="{28A0092B-C50C-407E-A947-70E740481C1C}">
+                <a14:useLocalDpi xmlns:a14="http://schemas.microsoft.com/office/drawing/2010/main" val="0"/>
+              </a:ext>
+            </a:extLst>
+          </a:blip>
+          <a:stretch>
+            <a:fillRect/>
+          </a:stretch>
+        </p:blipFill>
+        <p:spPr>
+          <a:xfrm>
+            <a:off x="7026408" y="3260957"/>
+            <a:ext cx="668491" cy="668491"/>
+          </a:xfrm>
+          <a:prstGeom prst="rect">
+            <a:avLst/>
+          </a:prstGeom>
+        </p:spPr>
+      </p:pic>
+      <p:pic>
+        <p:nvPicPr>
+          <p:cNvPr id="39" name="Imagen 38"/>
+          <p:cNvPicPr>
+            <a:picLocks noChangeAspect="1"/>
+          </p:cNvPicPr>
+          <p:nvPr/>
+        </p:nvPicPr>
+        <p:blipFill>
+          <a:blip r:embed="rId10" cstate="print">
+            <a:extLst>
+              <a:ext uri="{28A0092B-C50C-407E-A947-70E740481C1C}">
+                <a14:useLocalDpi xmlns:a14="http://schemas.microsoft.com/office/drawing/2010/main" val="0"/>
+              </a:ext>
+            </a:extLst>
+          </a:blip>
+          <a:stretch>
+            <a:fillRect/>
+          </a:stretch>
+        </p:blipFill>
+        <p:spPr>
+          <a:xfrm>
+            <a:off x="7351926" y="2211355"/>
+            <a:ext cx="685946" cy="685946"/>
+          </a:xfrm>
+          <a:prstGeom prst="rect">
+            <a:avLst/>
+          </a:prstGeom>
+        </p:spPr>
+      </p:pic>
+      <p:pic>
+        <p:nvPicPr>
+          <p:cNvPr id="40" name="Imagen 39"/>
+          <p:cNvPicPr>
+            <a:picLocks noChangeAspect="1"/>
+          </p:cNvPicPr>
+          <p:nvPr/>
+        </p:nvPicPr>
+        <p:blipFill>
+          <a:blip r:embed="rId11" cstate="print">
+            <a:extLst>
+              <a:ext uri="{28A0092B-C50C-407E-A947-70E740481C1C}">
+                <a14:useLocalDpi xmlns:a14="http://schemas.microsoft.com/office/drawing/2010/main" val="0"/>
+              </a:ext>
+            </a:extLst>
+          </a:blip>
+          <a:stretch>
+            <a:fillRect/>
+          </a:stretch>
+        </p:blipFill>
+        <p:spPr>
+          <a:xfrm>
+            <a:off x="7855113" y="1286519"/>
+            <a:ext cx="685945" cy="685945"/>
+          </a:xfrm>
+          <a:prstGeom prst="rect">
+            <a:avLst/>
+          </a:prstGeom>
+        </p:spPr>
+      </p:pic>
+      <p:pic>
+        <p:nvPicPr>
+          <p:cNvPr id="41" name="Imagen 40"/>
+          <p:cNvPicPr>
+            <a:picLocks noChangeAspect="1"/>
+          </p:cNvPicPr>
+          <p:nvPr/>
+        </p:nvPicPr>
+        <p:blipFill>
+          <a:blip r:embed="rId8" cstate="print">
+            <a:extLst>
+              <a:ext uri="{28A0092B-C50C-407E-A947-70E740481C1C}">
+                <a14:useLocalDpi xmlns:a14="http://schemas.microsoft.com/office/drawing/2010/main" val="0"/>
+              </a:ext>
+            </a:extLst>
+          </a:blip>
+          <a:stretch>
+            <a:fillRect/>
+          </a:stretch>
+        </p:blipFill>
+        <p:spPr>
+          <a:xfrm>
+            <a:off x="8541058" y="472055"/>
+            <a:ext cx="657225" cy="657225"/>
+          </a:xfrm>
+          <a:prstGeom prst="rect">
+            <a:avLst/>
+          </a:prstGeom>
+        </p:spPr>
+      </p:pic>
+      <p:pic>
+        <p:nvPicPr>
+          <p:cNvPr id="42" name="Imagen 41"/>
+          <p:cNvPicPr>
+            <a:picLocks noChangeAspect="1"/>
+          </p:cNvPicPr>
+          <p:nvPr/>
+        </p:nvPicPr>
+        <p:blipFill>
+          <a:blip r:embed="rId9" cstate="print">
+            <a:extLst>
+              <a:ext uri="{28A0092B-C50C-407E-A947-70E740481C1C}">
+                <a14:useLocalDpi xmlns:a14="http://schemas.microsoft.com/office/drawing/2010/main" val="0"/>
+              </a:ext>
+            </a:extLst>
+          </a:blip>
+          <a:stretch>
+            <a:fillRect/>
+          </a:stretch>
+        </p:blipFill>
+        <p:spPr>
+          <a:xfrm>
+            <a:off x="9633009" y="211723"/>
+            <a:ext cx="668491" cy="668491"/>
+          </a:xfrm>
+          <a:prstGeom prst="rect">
+            <a:avLst/>
+          </a:prstGeom>
+        </p:spPr>
+      </p:pic>
+      <p:pic>
+        <p:nvPicPr>
+          <p:cNvPr id="43" name="Imagen 42"/>
+          <p:cNvPicPr>
+            <a:picLocks noChangeAspect="1"/>
+          </p:cNvPicPr>
+          <p:nvPr/>
+        </p:nvPicPr>
+        <p:blipFill>
+          <a:blip r:embed="rId10" cstate="print">
+            <a:extLst>
+              <a:ext uri="{28A0092B-C50C-407E-A947-70E740481C1C}">
+                <a14:useLocalDpi xmlns:a14="http://schemas.microsoft.com/office/drawing/2010/main" val="0"/>
+              </a:ext>
+            </a:extLst>
+          </a:blip>
+          <a:stretch>
+            <a:fillRect/>
+          </a:stretch>
+        </p:blipFill>
+        <p:spPr>
+          <a:xfrm>
+            <a:off x="10411403" y="961579"/>
+            <a:ext cx="685946" cy="685946"/>
+          </a:xfrm>
+          <a:prstGeom prst="rect">
+            <a:avLst/>
+          </a:prstGeom>
+        </p:spPr>
+      </p:pic>
+      <p:pic>
+        <p:nvPicPr>
+          <p:cNvPr id="44" name="Imagen 43"/>
+          <p:cNvPicPr>
+            <a:picLocks noChangeAspect="1"/>
+          </p:cNvPicPr>
+          <p:nvPr/>
+        </p:nvPicPr>
+        <p:blipFill>
+          <a:blip r:embed="rId11" cstate="print">
+            <a:extLst>
+              <a:ext uri="{28A0092B-C50C-407E-A947-70E740481C1C}">
+                <a14:useLocalDpi xmlns:a14="http://schemas.microsoft.com/office/drawing/2010/main" val="0"/>
+              </a:ext>
+            </a:extLst>
+          </a:blip>
+          <a:stretch>
+            <a:fillRect/>
+          </a:stretch>
+        </p:blipFill>
+        <p:spPr>
+          <a:xfrm>
+            <a:off x="10469194" y="1998325"/>
+            <a:ext cx="685945" cy="685945"/>
+          </a:xfrm>
+          <a:prstGeom prst="rect">
+            <a:avLst/>
+          </a:prstGeom>
+        </p:spPr>
+      </p:pic>
+      <p:pic>
+        <p:nvPicPr>
+          <p:cNvPr id="45" name="Imagen 44"/>
+          <p:cNvPicPr>
+            <a:picLocks noChangeAspect="1"/>
+          </p:cNvPicPr>
+          <p:nvPr/>
+        </p:nvPicPr>
+        <p:blipFill>
+          <a:blip r:embed="rId8" cstate="print">
+            <a:extLst>
+              <a:ext uri="{28A0092B-C50C-407E-A947-70E740481C1C}">
+                <a14:useLocalDpi xmlns:a14="http://schemas.microsoft.com/office/drawing/2010/main" val="0"/>
+              </a:ext>
+            </a:extLst>
+          </a:blip>
+          <a:stretch>
+            <a:fillRect/>
+          </a:stretch>
+        </p:blipFill>
+        <p:spPr>
+          <a:xfrm>
+            <a:off x="10497914" y="3089334"/>
+            <a:ext cx="657225" cy="657225"/>
+          </a:xfrm>
+          <a:prstGeom prst="rect">
+            <a:avLst/>
+          </a:prstGeom>
+        </p:spPr>
+      </p:pic>
+      <p:sp>
+        <p:nvSpPr>
+          <p:cNvPr id="49" name="Rectángulo 48"/>
+          <p:cNvSpPr/>
+          <p:nvPr/>
+        </p:nvSpPr>
+        <p:spPr>
+          <a:xfrm rot="20203396">
+            <a:off x="1594646" y="4403591"/>
+            <a:ext cx="328579" cy="74031"/>
+          </a:xfrm>
+          <a:prstGeom prst="rect">
+            <a:avLst/>
+          </a:prstGeom>
+          <a:solidFill>
+            <a:schemeClr val="bg1"/>
+          </a:solidFill>
+        </p:spPr>
+        <p:style>
+          <a:lnRef idx="2">
+            <a:schemeClr val="accent1">
+              <a:shade val="50000"/>
+            </a:schemeClr>
+          </a:lnRef>
+          <a:fillRef idx="1">
+            <a:schemeClr val="accent1"/>
+          </a:fillRef>
+          <a:effectRef idx="0">
+            <a:schemeClr val="accent1"/>
+          </a:effectRef>
+          <a:fontRef idx="minor">
+            <a:schemeClr val="lt1"/>
+          </a:fontRef>
+        </p:style>
+        <p:txBody>
+          <a:bodyPr rtlCol="0" anchor="ctr"/>
+          <a:lstStyle/>
+          <a:p>
+            <a:pPr algn="ctr"/>
+            <a:endParaRPr lang="es-CO">
+              <a:ln>
+                <a:solidFill>
+                  <a:schemeClr val="bg1"/>
+                </a:solidFill>
+              </a:ln>
+              <a:solidFill>
+                <a:schemeClr val="bg1"/>
+              </a:solidFill>
+            </a:endParaRPr>
+          </a:p>
+        </p:txBody>
+      </p:sp>
+      <p:sp>
+        <p:nvSpPr>
+          <p:cNvPr id="50" name="Rectángulo 49"/>
+          <p:cNvSpPr/>
+          <p:nvPr/>
+        </p:nvSpPr>
+        <p:spPr>
+          <a:xfrm rot="17731137">
+            <a:off x="2365017" y="3611112"/>
+            <a:ext cx="328579" cy="74031"/>
+          </a:xfrm>
+          <a:prstGeom prst="rect">
+            <a:avLst/>
+          </a:prstGeom>
+          <a:solidFill>
+            <a:schemeClr val="bg1"/>
+          </a:solidFill>
+        </p:spPr>
+        <p:style>
+          <a:lnRef idx="2">
+            <a:schemeClr val="accent1">
+              <a:shade val="50000"/>
+            </a:schemeClr>
+          </a:lnRef>
+          <a:fillRef idx="1">
+            <a:schemeClr val="accent1"/>
+          </a:fillRef>
+          <a:effectRef idx="0">
+            <a:schemeClr val="accent1"/>
+          </a:effectRef>
+          <a:fontRef idx="minor">
+            <a:schemeClr val="lt1"/>
+          </a:fontRef>
+        </p:style>
+        <p:txBody>
+          <a:bodyPr rtlCol="0" anchor="ctr"/>
+          <a:lstStyle/>
+          <a:p>
+            <a:pPr algn="ctr"/>
+            <a:endParaRPr lang="es-CO">
+              <a:ln>
+                <a:solidFill>
+                  <a:schemeClr val="bg1"/>
+                </a:solidFill>
+              </a:ln>
+              <a:solidFill>
+                <a:schemeClr val="bg1"/>
+              </a:solidFill>
+            </a:endParaRPr>
+          </a:p>
+        </p:txBody>
+      </p:sp>
+      <p:sp>
+        <p:nvSpPr>
+          <p:cNvPr id="51" name="Rectángulo 50"/>
+          <p:cNvSpPr/>
+          <p:nvPr/>
+        </p:nvSpPr>
+        <p:spPr>
+          <a:xfrm rot="14828167">
+            <a:off x="2380672" y="2571037"/>
+            <a:ext cx="314310" cy="75102"/>
+          </a:xfrm>
+          <a:prstGeom prst="rect">
+            <a:avLst/>
+          </a:prstGeom>
+          <a:solidFill>
+            <a:schemeClr val="bg1"/>
+          </a:solidFill>
+        </p:spPr>
+        <p:style>
+          <a:lnRef idx="2">
+            <a:schemeClr val="accent1">
+              <a:shade val="50000"/>
+            </a:schemeClr>
+          </a:lnRef>
+          <a:fillRef idx="1">
+            <a:schemeClr val="accent1"/>
+          </a:fillRef>
+          <a:effectRef idx="0">
+            <a:schemeClr val="accent1"/>
+          </a:effectRef>
+          <a:fontRef idx="minor">
+            <a:schemeClr val="lt1"/>
+          </a:fontRef>
+        </p:style>
+        <p:txBody>
+          <a:bodyPr rtlCol="0" anchor="ctr"/>
+          <a:lstStyle/>
+          <a:p>
+            <a:pPr algn="ctr"/>
+            <a:endParaRPr lang="es-CO">
+              <a:ln>
+                <a:solidFill>
+                  <a:schemeClr val="bg1"/>
+                </a:solidFill>
+              </a:ln>
+              <a:solidFill>
+                <a:schemeClr val="bg1"/>
+              </a:solidFill>
+            </a:endParaRPr>
+          </a:p>
+        </p:txBody>
+      </p:sp>
+      <p:sp>
+        <p:nvSpPr>
+          <p:cNvPr id="52" name="Rectángulo 51"/>
+          <p:cNvSpPr/>
+          <p:nvPr/>
+        </p:nvSpPr>
+        <p:spPr>
+          <a:xfrm rot="14653157">
+            <a:off x="1964485" y="1612900"/>
+            <a:ext cx="328579" cy="74031"/>
+          </a:xfrm>
+          <a:prstGeom prst="rect">
+            <a:avLst/>
+          </a:prstGeom>
+          <a:solidFill>
+            <a:schemeClr val="bg1"/>
+          </a:solidFill>
+        </p:spPr>
+        <p:style>
+          <a:lnRef idx="2">
+            <a:schemeClr val="accent1">
+              <a:shade val="50000"/>
+            </a:schemeClr>
+          </a:lnRef>
+          <a:fillRef idx="1">
+            <a:schemeClr val="accent1"/>
+          </a:fillRef>
+          <a:effectRef idx="0">
+            <a:schemeClr val="accent1"/>
+          </a:effectRef>
+          <a:fontRef idx="minor">
+            <a:schemeClr val="lt1"/>
+          </a:fontRef>
+        </p:style>
+        <p:txBody>
+          <a:bodyPr rtlCol="0" anchor="ctr"/>
+          <a:lstStyle/>
+          <a:p>
+            <a:pPr algn="ctr"/>
+            <a:endParaRPr lang="es-CO">
+              <a:ln>
+                <a:solidFill>
+                  <a:schemeClr val="bg1"/>
+                </a:solidFill>
+              </a:ln>
+              <a:solidFill>
+                <a:schemeClr val="bg1"/>
+              </a:solidFill>
+            </a:endParaRPr>
+          </a:p>
+        </p:txBody>
+      </p:sp>
+      <p:sp>
+        <p:nvSpPr>
+          <p:cNvPr id="53" name="Rectángulo 52"/>
+          <p:cNvSpPr/>
+          <p:nvPr/>
+        </p:nvSpPr>
+        <p:spPr>
+          <a:xfrm rot="19561565">
+            <a:off x="2084787" y="720402"/>
+            <a:ext cx="328579" cy="74031"/>
+          </a:xfrm>
+          <a:prstGeom prst="rect">
+            <a:avLst/>
+          </a:prstGeom>
+          <a:solidFill>
+            <a:schemeClr val="bg1"/>
+          </a:solidFill>
+        </p:spPr>
+        <p:style>
+          <a:lnRef idx="2">
+            <a:schemeClr val="accent1">
+              <a:shade val="50000"/>
+            </a:schemeClr>
+          </a:lnRef>
+          <a:fillRef idx="1">
+            <a:schemeClr val="accent1"/>
+          </a:fillRef>
+          <a:effectRef idx="0">
+            <a:schemeClr val="accent1"/>
+          </a:effectRef>
+          <a:fontRef idx="minor">
+            <a:schemeClr val="lt1"/>
+          </a:fontRef>
+        </p:style>
+        <p:txBody>
+          <a:bodyPr rtlCol="0" anchor="ctr"/>
+          <a:lstStyle/>
+          <a:p>
+            <a:pPr algn="ctr"/>
+            <a:endParaRPr lang="es-CO">
+              <a:ln>
+                <a:solidFill>
+                  <a:schemeClr val="bg1"/>
+                </a:solidFill>
+              </a:ln>
+              <a:solidFill>
+                <a:schemeClr val="bg1"/>
+              </a:solidFill>
+            </a:endParaRPr>
+          </a:p>
+        </p:txBody>
+      </p:sp>
+      <p:sp>
+        <p:nvSpPr>
+          <p:cNvPr id="54" name="Rectángulo 53"/>
+          <p:cNvSpPr/>
+          <p:nvPr/>
+        </p:nvSpPr>
+        <p:spPr>
+          <a:xfrm rot="13024116">
+            <a:off x="3082180" y="761934"/>
+            <a:ext cx="328579" cy="74031"/>
+          </a:xfrm>
+          <a:prstGeom prst="rect">
+            <a:avLst/>
+          </a:prstGeom>
+          <a:solidFill>
+            <a:schemeClr val="bg1"/>
+          </a:solidFill>
+        </p:spPr>
+        <p:style>
+          <a:lnRef idx="2">
+            <a:schemeClr val="accent1">
+              <a:shade val="50000"/>
+            </a:schemeClr>
+          </a:lnRef>
+          <a:fillRef idx="1">
+            <a:schemeClr val="accent1"/>
+          </a:fillRef>
+          <a:effectRef idx="0">
+            <a:schemeClr val="accent1"/>
+          </a:effectRef>
+          <a:fontRef idx="minor">
+            <a:schemeClr val="lt1"/>
+          </a:fontRef>
+        </p:style>
+        <p:txBody>
+          <a:bodyPr rtlCol="0" anchor="ctr"/>
+          <a:lstStyle/>
+          <a:p>
+            <a:pPr algn="ctr"/>
+            <a:endParaRPr lang="es-CO">
+              <a:ln>
+                <a:solidFill>
+                  <a:schemeClr val="bg1"/>
+                </a:solidFill>
+              </a:ln>
+              <a:solidFill>
+                <a:schemeClr val="bg1"/>
+              </a:solidFill>
+            </a:endParaRPr>
+          </a:p>
+        </p:txBody>
+      </p:sp>
+      <p:sp>
+        <p:nvSpPr>
+          <p:cNvPr id="55" name="Rectángulo 54"/>
+          <p:cNvSpPr/>
+          <p:nvPr/>
+        </p:nvSpPr>
+        <p:spPr>
+          <a:xfrm rot="19276843">
+            <a:off x="4252632" y="797301"/>
+            <a:ext cx="328579" cy="74031"/>
+          </a:xfrm>
+          <a:prstGeom prst="rect">
+            <a:avLst/>
+          </a:prstGeom>
+          <a:solidFill>
+            <a:schemeClr val="bg1"/>
+          </a:solidFill>
+        </p:spPr>
+        <p:style>
+          <a:lnRef idx="2">
+            <a:schemeClr val="accent1">
+              <a:shade val="50000"/>
+            </a:schemeClr>
+          </a:lnRef>
+          <a:fillRef idx="1">
+            <a:schemeClr val="accent1"/>
+          </a:fillRef>
+          <a:effectRef idx="0">
+            <a:schemeClr val="accent1"/>
+          </a:effectRef>
+          <a:fontRef idx="minor">
+            <a:schemeClr val="lt1"/>
+          </a:fontRef>
+        </p:style>
+        <p:txBody>
+          <a:bodyPr rtlCol="0" anchor="ctr"/>
+          <a:lstStyle/>
+          <a:p>
+            <a:pPr algn="ctr"/>
+            <a:endParaRPr lang="es-CO">
+              <a:ln>
+                <a:solidFill>
+                  <a:schemeClr val="bg1"/>
+                </a:solidFill>
+              </a:ln>
+              <a:solidFill>
+                <a:schemeClr val="bg1"/>
+              </a:solidFill>
+            </a:endParaRPr>
+          </a:p>
+        </p:txBody>
+      </p:sp>
+      <p:sp>
+        <p:nvSpPr>
+          <p:cNvPr id="56" name="Rectángulo 55"/>
+          <p:cNvSpPr/>
+          <p:nvPr/>
+        </p:nvSpPr>
+        <p:spPr>
+          <a:xfrm rot="1842017">
+            <a:off x="5318613" y="723658"/>
+            <a:ext cx="458238" cy="72722"/>
+          </a:xfrm>
+          <a:prstGeom prst="rect">
+            <a:avLst/>
+          </a:prstGeom>
+          <a:solidFill>
+            <a:schemeClr val="bg1"/>
+          </a:solidFill>
+        </p:spPr>
+        <p:style>
+          <a:lnRef idx="2">
+            <a:schemeClr val="accent1">
+              <a:shade val="50000"/>
+            </a:schemeClr>
+          </a:lnRef>
+          <a:fillRef idx="1">
+            <a:schemeClr val="accent1"/>
+          </a:fillRef>
+          <a:effectRef idx="0">
+            <a:schemeClr val="accent1"/>
+          </a:effectRef>
+          <a:fontRef idx="minor">
+            <a:schemeClr val="lt1"/>
+          </a:fontRef>
+        </p:style>
+        <p:txBody>
+          <a:bodyPr rtlCol="0" anchor="ctr"/>
+          <a:lstStyle/>
+          <a:p>
+            <a:pPr algn="ctr"/>
+            <a:endParaRPr lang="es-CO">
+              <a:ln>
+                <a:solidFill>
+                  <a:schemeClr val="bg1"/>
+                </a:solidFill>
+              </a:ln>
+              <a:solidFill>
+                <a:schemeClr val="bg1"/>
+              </a:solidFill>
+            </a:endParaRPr>
+          </a:p>
+        </p:txBody>
+      </p:sp>
+      <p:sp>
+        <p:nvSpPr>
+          <p:cNvPr id="57" name="Rectángulo 56"/>
+          <p:cNvSpPr/>
+          <p:nvPr/>
+        </p:nvSpPr>
+        <p:spPr>
+          <a:xfrm rot="18563102">
+            <a:off x="5477149" y="1649765"/>
+            <a:ext cx="458238" cy="72722"/>
+          </a:xfrm>
+          <a:prstGeom prst="rect">
+            <a:avLst/>
+          </a:prstGeom>
+          <a:solidFill>
+            <a:schemeClr val="bg1"/>
+          </a:solidFill>
+        </p:spPr>
+        <p:style>
+          <a:lnRef idx="2">
+            <a:schemeClr val="accent1">
+              <a:shade val="50000"/>
+            </a:schemeClr>
+          </a:lnRef>
+          <a:fillRef idx="1">
+            <a:schemeClr val="accent1"/>
+          </a:fillRef>
+          <a:effectRef idx="0">
+            <a:schemeClr val="accent1"/>
+          </a:effectRef>
+          <a:fontRef idx="minor">
+            <a:schemeClr val="lt1"/>
+          </a:fontRef>
+        </p:style>
+        <p:txBody>
+          <a:bodyPr rtlCol="0" anchor="ctr"/>
+          <a:lstStyle/>
+          <a:p>
+            <a:pPr algn="ctr"/>
+            <a:endParaRPr lang="es-CO">
+              <a:ln>
+                <a:solidFill>
+                  <a:schemeClr val="bg1"/>
+                </a:solidFill>
+              </a:ln>
+              <a:solidFill>
+                <a:schemeClr val="bg1"/>
+              </a:solidFill>
+            </a:endParaRPr>
+          </a:p>
+        </p:txBody>
+      </p:sp>
+      <p:sp>
+        <p:nvSpPr>
+          <p:cNvPr id="58" name="Rectángulo 57"/>
+          <p:cNvSpPr/>
+          <p:nvPr/>
+        </p:nvSpPr>
+        <p:spPr>
+          <a:xfrm rot="18563102">
+            <a:off x="4839772" y="2490898"/>
+            <a:ext cx="240434" cy="81140"/>
+          </a:xfrm>
+          <a:prstGeom prst="rect">
+            <a:avLst/>
+          </a:prstGeom>
+          <a:solidFill>
+            <a:schemeClr val="bg1"/>
+          </a:solidFill>
+        </p:spPr>
+        <p:style>
+          <a:lnRef idx="2">
+            <a:schemeClr val="accent1">
+              <a:shade val="50000"/>
+            </a:schemeClr>
+          </a:lnRef>
+          <a:fillRef idx="1">
+            <a:schemeClr val="accent1"/>
+          </a:fillRef>
+          <a:effectRef idx="0">
+            <a:schemeClr val="accent1"/>
+          </a:effectRef>
+          <a:fontRef idx="minor">
+            <a:schemeClr val="lt1"/>
+          </a:fontRef>
+        </p:style>
+        <p:txBody>
+          <a:bodyPr rtlCol="0" anchor="ctr"/>
+          <a:lstStyle/>
+          <a:p>
+            <a:pPr algn="ctr"/>
+            <a:endParaRPr lang="es-CO">
+              <a:ln>
+                <a:solidFill>
+                  <a:schemeClr val="bg1"/>
+                </a:solidFill>
+              </a:ln>
+              <a:solidFill>
+                <a:schemeClr val="bg1"/>
+              </a:solidFill>
+            </a:endParaRPr>
+          </a:p>
+        </p:txBody>
+      </p:sp>
+      <p:sp>
+        <p:nvSpPr>
+          <p:cNvPr id="59" name="Rectángulo 58"/>
+          <p:cNvSpPr/>
+          <p:nvPr/>
+        </p:nvSpPr>
+        <p:spPr>
+          <a:xfrm rot="15621490">
+            <a:off x="4490052" y="3391487"/>
+            <a:ext cx="297388" cy="55754"/>
+          </a:xfrm>
+          <a:prstGeom prst="rect">
+            <a:avLst/>
+          </a:prstGeom>
+          <a:solidFill>
+            <a:schemeClr val="bg1"/>
+          </a:solidFill>
+        </p:spPr>
+        <p:style>
+          <a:lnRef idx="2">
+            <a:schemeClr val="accent1">
+              <a:shade val="50000"/>
+            </a:schemeClr>
+          </a:lnRef>
+          <a:fillRef idx="1">
+            <a:schemeClr val="accent1"/>
+          </a:fillRef>
+          <a:effectRef idx="0">
+            <a:schemeClr val="accent1"/>
+          </a:effectRef>
+          <a:fontRef idx="minor">
+            <a:schemeClr val="lt1"/>
+          </a:fontRef>
+        </p:style>
+        <p:txBody>
+          <a:bodyPr rtlCol="0" anchor="ctr"/>
+          <a:lstStyle/>
+          <a:p>
+            <a:pPr algn="ctr"/>
+            <a:endParaRPr lang="es-CO">
+              <a:ln>
+                <a:solidFill>
+                  <a:schemeClr val="bg1"/>
+                </a:solidFill>
+              </a:ln>
+              <a:solidFill>
+                <a:schemeClr val="bg1"/>
+              </a:solidFill>
+            </a:endParaRPr>
+          </a:p>
+        </p:txBody>
+      </p:sp>
+      <p:sp>
+        <p:nvSpPr>
+          <p:cNvPr id="60" name="Rectángulo 59"/>
+          <p:cNvSpPr/>
+          <p:nvPr/>
+        </p:nvSpPr>
+        <p:spPr>
+          <a:xfrm rot="13270488">
+            <a:off x="5020529" y="4217022"/>
+            <a:ext cx="240434" cy="81140"/>
+          </a:xfrm>
+          <a:prstGeom prst="rect">
+            <a:avLst/>
+          </a:prstGeom>
+          <a:solidFill>
+            <a:schemeClr val="bg1"/>
+          </a:solidFill>
+        </p:spPr>
+        <p:style>
+          <a:lnRef idx="2">
+            <a:schemeClr val="accent1">
+              <a:shade val="50000"/>
+            </a:schemeClr>
+          </a:lnRef>
+          <a:fillRef idx="1">
+            <a:schemeClr val="accent1"/>
+          </a:fillRef>
+          <a:effectRef idx="0">
+            <a:schemeClr val="accent1"/>
+          </a:effectRef>
+          <a:fontRef idx="minor">
+            <a:schemeClr val="lt1"/>
+          </a:fontRef>
+        </p:style>
+        <p:txBody>
+          <a:bodyPr rtlCol="0" anchor="ctr"/>
+          <a:lstStyle/>
+          <a:p>
+            <a:pPr algn="ctr"/>
+            <a:endParaRPr lang="es-CO">
+              <a:ln>
+                <a:solidFill>
+                  <a:schemeClr val="bg1"/>
+                </a:solidFill>
+              </a:ln>
+              <a:solidFill>
+                <a:schemeClr val="bg1"/>
+              </a:solidFill>
+            </a:endParaRPr>
+          </a:p>
+        </p:txBody>
+      </p:sp>
+      <p:sp>
+        <p:nvSpPr>
+          <p:cNvPr id="61" name="Rectángulo 60"/>
+          <p:cNvSpPr/>
+          <p:nvPr/>
+        </p:nvSpPr>
+        <p:spPr>
+          <a:xfrm rot="21067675">
+            <a:off x="6026584" y="4521360"/>
+            <a:ext cx="303402" cy="91242"/>
+          </a:xfrm>
+          <a:prstGeom prst="rect">
+            <a:avLst/>
+          </a:prstGeom>
+          <a:solidFill>
+            <a:schemeClr val="bg1"/>
+          </a:solidFill>
+        </p:spPr>
+        <p:style>
+          <a:lnRef idx="2">
+            <a:schemeClr val="accent1">
+              <a:shade val="50000"/>
+            </a:schemeClr>
+          </a:lnRef>
+          <a:fillRef idx="1">
+            <a:schemeClr val="accent1"/>
+          </a:fillRef>
+          <a:effectRef idx="0">
+            <a:schemeClr val="accent1"/>
+          </a:effectRef>
+          <a:fontRef idx="minor">
+            <a:schemeClr val="lt1"/>
+          </a:fontRef>
+        </p:style>
+        <p:txBody>
+          <a:bodyPr rtlCol="0" anchor="ctr"/>
+          <a:lstStyle/>
+          <a:p>
+            <a:pPr algn="ctr"/>
+            <a:endParaRPr lang="es-CO">
+              <a:ln>
+                <a:solidFill>
+                  <a:schemeClr val="bg1"/>
+                </a:solidFill>
+              </a:ln>
+              <a:solidFill>
+                <a:schemeClr val="bg1"/>
+              </a:solidFill>
+            </a:endParaRPr>
+          </a:p>
+        </p:txBody>
+      </p:sp>
+      <p:sp>
+        <p:nvSpPr>
+          <p:cNvPr id="62" name="Rectángulo 61"/>
+          <p:cNvSpPr/>
+          <p:nvPr/>
+        </p:nvSpPr>
+        <p:spPr>
+          <a:xfrm rot="18563102">
+            <a:off x="6980727" y="4036176"/>
+            <a:ext cx="289181" cy="80849"/>
+          </a:xfrm>
+          <a:prstGeom prst="rect">
+            <a:avLst/>
+          </a:prstGeom>
+          <a:solidFill>
+            <a:schemeClr val="bg1"/>
+          </a:solidFill>
+        </p:spPr>
+        <p:style>
+          <a:lnRef idx="2">
+            <a:schemeClr val="accent1">
+              <a:shade val="50000"/>
+            </a:schemeClr>
+          </a:lnRef>
+          <a:fillRef idx="1">
+            <a:schemeClr val="accent1"/>
+          </a:fillRef>
+          <a:effectRef idx="0">
+            <a:schemeClr val="accent1"/>
+          </a:effectRef>
+          <a:fontRef idx="minor">
+            <a:schemeClr val="lt1"/>
+          </a:fontRef>
+        </p:style>
+        <p:txBody>
+          <a:bodyPr rtlCol="0" anchor="ctr"/>
+          <a:lstStyle/>
+          <a:p>
+            <a:pPr algn="ctr"/>
+            <a:endParaRPr lang="es-CO">
+              <a:ln>
+                <a:solidFill>
+                  <a:schemeClr val="bg1"/>
+                </a:solidFill>
+              </a:ln>
+              <a:solidFill>
+                <a:schemeClr val="bg1"/>
+              </a:solidFill>
+            </a:endParaRPr>
+          </a:p>
+        </p:txBody>
+      </p:sp>
+      <p:sp>
+        <p:nvSpPr>
+          <p:cNvPr id="63" name="Rectángulo 62"/>
+          <p:cNvSpPr/>
+          <p:nvPr/>
+        </p:nvSpPr>
+        <p:spPr>
+          <a:xfrm rot="17068349">
+            <a:off x="7441678" y="3050552"/>
+            <a:ext cx="289181" cy="80849"/>
+          </a:xfrm>
+          <a:prstGeom prst="rect">
+            <a:avLst/>
+          </a:prstGeom>
+          <a:solidFill>
+            <a:schemeClr val="bg1"/>
+          </a:solidFill>
+        </p:spPr>
+        <p:style>
+          <a:lnRef idx="2">
+            <a:schemeClr val="accent1">
+              <a:shade val="50000"/>
+            </a:schemeClr>
+          </a:lnRef>
+          <a:fillRef idx="1">
+            <a:schemeClr val="accent1"/>
+          </a:fillRef>
+          <a:effectRef idx="0">
+            <a:schemeClr val="accent1"/>
+          </a:effectRef>
+          <a:fontRef idx="minor">
+            <a:schemeClr val="lt1"/>
+          </a:fontRef>
+        </p:style>
+        <p:txBody>
+          <a:bodyPr rtlCol="0" anchor="ctr"/>
+          <a:lstStyle/>
+          <a:p>
+            <a:pPr algn="ctr"/>
+            <a:endParaRPr lang="es-CO">
+              <a:ln>
+                <a:solidFill>
+                  <a:schemeClr val="bg1"/>
+                </a:solidFill>
+              </a:ln>
+              <a:solidFill>
+                <a:schemeClr val="bg1"/>
+              </a:solidFill>
+            </a:endParaRPr>
+          </a:p>
+        </p:txBody>
+      </p:sp>
+      <p:sp>
+        <p:nvSpPr>
+          <p:cNvPr id="64" name="Rectángulo 63"/>
+          <p:cNvSpPr/>
+          <p:nvPr/>
+        </p:nvSpPr>
+        <p:spPr>
+          <a:xfrm rot="18038291">
+            <a:off x="7767473" y="2048077"/>
+            <a:ext cx="289181" cy="80849"/>
+          </a:xfrm>
+          <a:prstGeom prst="rect">
+            <a:avLst/>
+          </a:prstGeom>
+          <a:solidFill>
+            <a:schemeClr val="bg1"/>
+          </a:solidFill>
+        </p:spPr>
+        <p:style>
+          <a:lnRef idx="2">
+            <a:schemeClr val="accent1">
+              <a:shade val="50000"/>
+            </a:schemeClr>
+          </a:lnRef>
+          <a:fillRef idx="1">
+            <a:schemeClr val="accent1"/>
+          </a:fillRef>
+          <a:effectRef idx="0">
+            <a:schemeClr val="accent1"/>
+          </a:effectRef>
+          <a:fontRef idx="minor">
+            <a:schemeClr val="lt1"/>
+          </a:fontRef>
+        </p:style>
+        <p:txBody>
+          <a:bodyPr rtlCol="0" anchor="ctr"/>
+          <a:lstStyle/>
+          <a:p>
+            <a:pPr algn="ctr"/>
+            <a:endParaRPr lang="es-CO">
+              <a:ln>
+                <a:solidFill>
+                  <a:schemeClr val="bg1"/>
+                </a:solidFill>
+              </a:ln>
+              <a:solidFill>
+                <a:schemeClr val="bg1"/>
+              </a:solidFill>
+            </a:endParaRPr>
+          </a:p>
+        </p:txBody>
+      </p:sp>
+      <p:sp>
+        <p:nvSpPr>
+          <p:cNvPr id="65" name="Rectángulo 64"/>
+          <p:cNvSpPr/>
+          <p:nvPr/>
+        </p:nvSpPr>
+        <p:spPr>
+          <a:xfrm rot="18622663">
+            <a:off x="8367849" y="1134203"/>
+            <a:ext cx="289181" cy="80849"/>
+          </a:xfrm>
+          <a:prstGeom prst="rect">
+            <a:avLst/>
+          </a:prstGeom>
+          <a:solidFill>
+            <a:schemeClr val="bg1"/>
+          </a:solidFill>
+        </p:spPr>
+        <p:style>
+          <a:lnRef idx="2">
+            <a:schemeClr val="accent1">
+              <a:shade val="50000"/>
+            </a:schemeClr>
+          </a:lnRef>
+          <a:fillRef idx="1">
+            <a:schemeClr val="accent1"/>
+          </a:fillRef>
+          <a:effectRef idx="0">
+            <a:schemeClr val="accent1"/>
+          </a:effectRef>
+          <a:fontRef idx="minor">
+            <a:schemeClr val="lt1"/>
+          </a:fontRef>
+        </p:style>
+        <p:txBody>
+          <a:bodyPr rtlCol="0" anchor="ctr"/>
+          <a:lstStyle/>
+          <a:p>
+            <a:pPr algn="ctr"/>
+            <a:endParaRPr lang="es-CO">
+              <a:ln>
+                <a:solidFill>
+                  <a:schemeClr val="bg1"/>
+                </a:solidFill>
+              </a:ln>
+              <a:solidFill>
+                <a:schemeClr val="bg1"/>
+              </a:solidFill>
+            </a:endParaRPr>
+          </a:p>
+        </p:txBody>
+      </p:sp>
+      <p:sp>
+        <p:nvSpPr>
+          <p:cNvPr id="66" name="Rectángulo 65"/>
+          <p:cNvSpPr/>
+          <p:nvPr/>
+        </p:nvSpPr>
+        <p:spPr>
+          <a:xfrm rot="21212210">
+            <a:off x="9252058" y="569035"/>
+            <a:ext cx="289181" cy="80849"/>
+          </a:xfrm>
+          <a:prstGeom prst="rect">
+            <a:avLst/>
+          </a:prstGeom>
+          <a:solidFill>
+            <a:schemeClr val="bg1"/>
+          </a:solidFill>
+        </p:spPr>
+        <p:style>
+          <a:lnRef idx="2">
+            <a:schemeClr val="accent1">
+              <a:shade val="50000"/>
+            </a:schemeClr>
+          </a:lnRef>
+          <a:fillRef idx="1">
+            <a:schemeClr val="accent1"/>
+          </a:fillRef>
+          <a:effectRef idx="0">
+            <a:schemeClr val="accent1"/>
+          </a:effectRef>
+          <a:fontRef idx="minor">
+            <a:schemeClr val="lt1"/>
+          </a:fontRef>
+        </p:style>
+        <p:txBody>
+          <a:bodyPr rtlCol="0" anchor="ctr"/>
+          <a:lstStyle/>
+          <a:p>
+            <a:pPr algn="ctr"/>
+            <a:endParaRPr lang="es-CO">
+              <a:ln>
+                <a:solidFill>
+                  <a:schemeClr val="bg1"/>
+                </a:solidFill>
+              </a:ln>
+              <a:solidFill>
+                <a:schemeClr val="bg1"/>
+              </a:solidFill>
+            </a:endParaRPr>
+          </a:p>
+        </p:txBody>
+      </p:sp>
+      <p:sp>
+        <p:nvSpPr>
+          <p:cNvPr id="67" name="Rectángulo 66"/>
+          <p:cNvSpPr/>
+          <p:nvPr/>
+        </p:nvSpPr>
+        <p:spPr>
+          <a:xfrm rot="2337067">
+            <a:off x="10382907" y="758525"/>
+            <a:ext cx="289181" cy="80849"/>
+          </a:xfrm>
+          <a:prstGeom prst="rect">
+            <a:avLst/>
+          </a:prstGeom>
+          <a:solidFill>
+            <a:schemeClr val="bg1"/>
+          </a:solidFill>
+        </p:spPr>
+        <p:style>
+          <a:lnRef idx="2">
+            <a:schemeClr val="accent1">
+              <a:shade val="50000"/>
+            </a:schemeClr>
+          </a:lnRef>
+          <a:fillRef idx="1">
+            <a:schemeClr val="accent1"/>
+          </a:fillRef>
+          <a:effectRef idx="0">
+            <a:schemeClr val="accent1"/>
+          </a:effectRef>
+          <a:fontRef idx="minor">
+            <a:schemeClr val="lt1"/>
+          </a:fontRef>
+        </p:style>
+        <p:txBody>
+          <a:bodyPr rtlCol="0" anchor="ctr"/>
+          <a:lstStyle/>
+          <a:p>
+            <a:pPr algn="ctr"/>
+            <a:endParaRPr lang="es-CO">
+              <a:ln>
+                <a:solidFill>
+                  <a:schemeClr val="bg1"/>
+                </a:solidFill>
+              </a:ln>
+              <a:solidFill>
+                <a:schemeClr val="bg1"/>
+              </a:solidFill>
+            </a:endParaRPr>
+          </a:p>
+        </p:txBody>
+      </p:sp>
+      <p:sp>
+        <p:nvSpPr>
+          <p:cNvPr id="68" name="Rectángulo 67"/>
+          <p:cNvSpPr/>
+          <p:nvPr/>
+        </p:nvSpPr>
+        <p:spPr>
+          <a:xfrm rot="16200000">
+            <a:off x="10646334" y="1782272"/>
+            <a:ext cx="277072" cy="88163"/>
+          </a:xfrm>
+          <a:prstGeom prst="rect">
+            <a:avLst/>
+          </a:prstGeom>
+          <a:solidFill>
+            <a:schemeClr val="bg1"/>
+          </a:solidFill>
+        </p:spPr>
+        <p:style>
+          <a:lnRef idx="2">
+            <a:schemeClr val="accent1">
+              <a:shade val="50000"/>
+            </a:schemeClr>
+          </a:lnRef>
+          <a:fillRef idx="1">
+            <a:schemeClr val="accent1"/>
+          </a:fillRef>
+          <a:effectRef idx="0">
+            <a:schemeClr val="accent1"/>
+          </a:effectRef>
+          <a:fontRef idx="minor">
+            <a:schemeClr val="lt1"/>
+          </a:fontRef>
+        </p:style>
+        <p:txBody>
+          <a:bodyPr rtlCol="0" anchor="ctr"/>
+          <a:lstStyle/>
+          <a:p>
+            <a:pPr algn="ctr"/>
+            <a:endParaRPr lang="es-CO">
+              <a:ln>
+                <a:solidFill>
+                  <a:schemeClr val="bg1"/>
+                </a:solidFill>
+              </a:ln>
+              <a:solidFill>
+                <a:schemeClr val="bg1"/>
+              </a:solidFill>
+            </a:endParaRPr>
+          </a:p>
+        </p:txBody>
+      </p:sp>
+      <p:sp>
+        <p:nvSpPr>
+          <p:cNvPr id="69" name="Rectángulo 68"/>
+          <p:cNvSpPr/>
+          <p:nvPr/>
+        </p:nvSpPr>
+        <p:spPr>
+          <a:xfrm rot="16200000">
+            <a:off x="10695830" y="2842719"/>
+            <a:ext cx="277072" cy="88163"/>
+          </a:xfrm>
+          <a:prstGeom prst="rect">
+            <a:avLst/>
+          </a:prstGeom>
+          <a:solidFill>
+            <a:schemeClr val="bg1"/>
+          </a:solidFill>
+        </p:spPr>
+        <p:style>
+          <a:lnRef idx="2">
+            <a:schemeClr val="accent1">
+              <a:shade val="50000"/>
+            </a:schemeClr>
+          </a:lnRef>
+          <a:fillRef idx="1">
+            <a:schemeClr val="accent1"/>
+          </a:fillRef>
+          <a:effectRef idx="0">
+            <a:schemeClr val="accent1"/>
+          </a:effectRef>
+          <a:fontRef idx="minor">
+            <a:schemeClr val="lt1"/>
+          </a:fontRef>
+        </p:style>
+        <p:txBody>
+          <a:bodyPr rtlCol="0" anchor="ctr"/>
+          <a:lstStyle/>
+          <a:p>
+            <a:pPr algn="ctr"/>
+            <a:endParaRPr lang="es-CO">
+              <a:ln>
+                <a:solidFill>
+                  <a:schemeClr val="bg1"/>
+                </a:solidFill>
+              </a:ln>
+              <a:solidFill>
+                <a:schemeClr val="bg1"/>
+              </a:solidFill>
+            </a:endParaRPr>
+          </a:p>
+        </p:txBody>
+      </p:sp>
+      <p:sp>
+        <p:nvSpPr>
+          <p:cNvPr id="70" name="Rectángulo 69"/>
+          <p:cNvSpPr/>
+          <p:nvPr/>
+        </p:nvSpPr>
+        <p:spPr>
+          <a:xfrm rot="16200000">
+            <a:off x="10717712" y="3943624"/>
+            <a:ext cx="277072" cy="88163"/>
+          </a:xfrm>
+          <a:prstGeom prst="rect">
+            <a:avLst/>
+          </a:prstGeom>
+          <a:solidFill>
+            <a:schemeClr val="bg1"/>
+          </a:solidFill>
+        </p:spPr>
+        <p:style>
+          <a:lnRef idx="2">
+            <a:schemeClr val="accent1">
+              <a:shade val="50000"/>
+            </a:schemeClr>
+          </a:lnRef>
+          <a:fillRef idx="1">
+            <a:schemeClr val="accent1"/>
+          </a:fillRef>
+          <a:effectRef idx="0">
+            <a:schemeClr val="accent1"/>
+          </a:effectRef>
+          <a:fontRef idx="minor">
+            <a:schemeClr val="lt1"/>
+          </a:fontRef>
+        </p:style>
+        <p:txBody>
+          <a:bodyPr rtlCol="0" anchor="ctr"/>
+          <a:lstStyle/>
+          <a:p>
+            <a:pPr algn="ctr"/>
+            <a:endParaRPr lang="es-CO">
+              <a:ln>
+                <a:solidFill>
+                  <a:schemeClr val="bg1"/>
+                </a:solidFill>
+              </a:ln>
+              <a:solidFill>
+                <a:schemeClr val="bg1"/>
+              </a:solidFill>
+            </a:endParaRPr>
+          </a:p>
+        </p:txBody>
+      </p:sp>
       <p:sp>
         <p:nvSpPr>
           <p:cNvPr id="2" name="Rectángulo 1"/>
@@ -10032,14 +12299,7 @@
                 <a:latin typeface="Cambria Math" panose="02040503050406030204" pitchFamily="18" charset="0"/>
                 <a:ea typeface="Cambria Math" panose="02040503050406030204" pitchFamily="18" charset="0"/>
               </a:rPr>
-              <a:t>Texto de la pregunta: </a:t>
-            </a:r>
-            <a:r>
-              <a:rPr lang="es-CO" dirty="0" smtClean="0">
-                <a:latin typeface="Cambria Math" panose="02040503050406030204" pitchFamily="18" charset="0"/>
-                <a:ea typeface="Cambria Math" panose="02040503050406030204" pitchFamily="18" charset="0"/>
-              </a:rPr>
-              <a:t>Inserte aquí el texto de pregunta a realizar al usuario.</a:t>
+              <a:t>Texto de la pregunta: Inserte aquí el texto de pregunta a realizar al usuario.</a:t>
             </a:r>
           </a:p>
           <a:p>
